--- a/Презентация1.pptx
+++ b/Презентация1.pptx
@@ -5,13 +5,15 @@
     <p:sldMasterId id="2147483648" r:id="rId1"/>
   </p:sldMasterIdLst>
   <p:notesMasterIdLst>
-    <p:notesMasterId r:id="rId6"/>
+    <p:notesMasterId r:id="rId8"/>
   </p:notesMasterIdLst>
   <p:sldIdLst>
     <p:sldId id="256" r:id="rId2"/>
     <p:sldId id="257" r:id="rId3"/>
     <p:sldId id="258" r:id="rId4"/>
     <p:sldId id="259" r:id="rId5"/>
+    <p:sldId id="260" r:id="rId6"/>
+    <p:sldId id="261" r:id="rId7"/>
   </p:sldIdLst>
   <p:sldSz cx="12192000" cy="6858000"/>
   <p:notesSz cx="6858000" cy="9144000"/>
@@ -3531,6 +3533,13 @@
   <p:clrMapOvr>
     <a:masterClrMapping/>
   </p:clrMapOvr>
+  <p:timing>
+    <p:tnLst>
+      <p:par>
+        <p:cTn id="1" dur="indefinite" restart="never" nodeType="tmRoot"/>
+      </p:par>
+    </p:tnLst>
+  </p:timing>
 </p:sld>
 </file>
 
@@ -3994,6 +4003,13 @@
   <p:clrMapOvr>
     <a:masterClrMapping/>
   </p:clrMapOvr>
+  <p:timing>
+    <p:tnLst>
+      <p:par>
+        <p:cTn id="1" dur="indefinite" restart="never" nodeType="tmRoot"/>
+      </p:par>
+    </p:tnLst>
+  </p:timing>
 </p:sld>
 </file>
 
@@ -4360,6 +4376,13 @@
   <p:clrMapOvr>
     <a:masterClrMapping/>
   </p:clrMapOvr>
+  <p:timing>
+    <p:tnLst>
+      <p:par>
+        <p:cTn id="1" dur="indefinite" restart="never" nodeType="tmRoot"/>
+      </p:par>
+    </p:tnLst>
+  </p:timing>
 </p:sld>
 </file>
 
@@ -4959,6 +4982,885 @@
   <p:clrMapOvr>
     <a:masterClrMapping/>
   </p:clrMapOvr>
+  <p:timing>
+    <p:tnLst>
+      <p:par>
+        <p:cTn id="1" dur="indefinite" restart="never" nodeType="tmRoot"/>
+      </p:par>
+    </p:tnLst>
+  </p:timing>
+</p:sld>
+</file>
+
+<file path=ppt/slides/slide5.xml><?xml version="1.0" encoding="utf-8"?>
+<p:sld xmlns:a="http://schemas.openxmlformats.org/drawingml/2006/main" xmlns:r="http://schemas.openxmlformats.org/officeDocument/2006/relationships" xmlns:p="http://schemas.openxmlformats.org/presentationml/2006/main">
+  <p:cSld>
+    <p:spTree>
+      <p:nvGrpSpPr>
+        <p:cNvPr id="1" name=""/>
+        <p:cNvGrpSpPr/>
+        <p:nvPr/>
+      </p:nvGrpSpPr>
+      <p:grpSpPr>
+        <a:xfrm>
+          <a:off x="0" y="0"/>
+          <a:ext cx="0" cy="0"/>
+          <a:chOff x="0" y="0"/>
+          <a:chExt cx="0" cy="0"/>
+        </a:xfrm>
+      </p:grpSpPr>
+      <p:sp>
+        <p:nvSpPr>
+          <p:cNvPr id="4" name="TextBox 3"/>
+          <p:cNvSpPr txBox="1"/>
+          <p:nvPr/>
+        </p:nvSpPr>
+        <p:spPr>
+          <a:xfrm>
+            <a:off x="1188962" y="157174"/>
+            <a:ext cx="9674443" cy="769441"/>
+          </a:xfrm>
+          <a:prstGeom prst="rect">
+            <a:avLst/>
+          </a:prstGeom>
+          <a:noFill/>
+        </p:spPr>
+        <p:txBody>
+          <a:bodyPr wrap="none" rtlCol="0">
+            <a:spAutoFit/>
+          </a:bodyPr>
+          <a:lstStyle/>
+          <a:p>
+            <a:pPr algn="ctr"/>
+            <a:r>
+              <a:rPr lang="uk-UA" sz="4400" dirty="0" smtClean="0">
+                <a:solidFill>
+                  <a:schemeClr val="tx1">
+                    <a:lumMod val="85000"/>
+                    <a:lumOff val="15000"/>
+                  </a:schemeClr>
+                </a:solidFill>
+                <a:latin typeface="Segoe Print" panose="02000600000000000000" pitchFamily="2" charset="0"/>
+              </a:rPr>
+              <a:t>Основні характеристики миші:</a:t>
+            </a:r>
+            <a:endParaRPr lang="uk-UA" sz="4400" dirty="0">
+              <a:solidFill>
+                <a:schemeClr val="tx1">
+                  <a:lumMod val="85000"/>
+                  <a:lumOff val="15000"/>
+                </a:schemeClr>
+              </a:solidFill>
+              <a:latin typeface="Segoe Print" panose="02000600000000000000" pitchFamily="2" charset="0"/>
+            </a:endParaRPr>
+          </a:p>
+        </p:txBody>
+      </p:sp>
+      <p:sp>
+        <p:nvSpPr>
+          <p:cNvPr id="5" name="TextBox 4"/>
+          <p:cNvSpPr txBox="1"/>
+          <p:nvPr/>
+        </p:nvSpPr>
+        <p:spPr>
+          <a:xfrm>
+            <a:off x="0" y="926615"/>
+            <a:ext cx="6149440" cy="3970318"/>
+          </a:xfrm>
+          <a:prstGeom prst="rect">
+            <a:avLst/>
+          </a:prstGeom>
+          <a:noFill/>
+        </p:spPr>
+        <p:txBody>
+          <a:bodyPr wrap="none" rtlCol="0">
+            <a:spAutoFit/>
+          </a:bodyPr>
+          <a:lstStyle/>
+          <a:p>
+            <a:pPr marL="571500" indent="-571500">
+              <a:buFont typeface="Arial" panose="020B0604020202020204" pitchFamily="34" charset="0"/>
+              <a:buChar char="•"/>
+            </a:pPr>
+            <a:r>
+              <a:rPr lang="uk-UA" sz="3600" dirty="0" smtClean="0">
+                <a:solidFill>
+                  <a:schemeClr val="tx1">
+                    <a:lumMod val="85000"/>
+                    <a:lumOff val="15000"/>
+                  </a:schemeClr>
+                </a:solidFill>
+                <a:latin typeface="Segoe Print" panose="02000600000000000000" pitchFamily="2" charset="0"/>
+              </a:rPr>
+              <a:t>Тип сенсора</a:t>
+            </a:r>
+          </a:p>
+          <a:p>
+            <a:pPr marL="571500" indent="-571500">
+              <a:buFont typeface="Arial" panose="020B0604020202020204" pitchFamily="34" charset="0"/>
+              <a:buChar char="•"/>
+            </a:pPr>
+            <a:r>
+              <a:rPr lang="uk-UA" sz="3600" dirty="0" smtClean="0">
+                <a:solidFill>
+                  <a:schemeClr val="tx1">
+                    <a:lumMod val="85000"/>
+                    <a:lumOff val="15000"/>
+                  </a:schemeClr>
+                </a:solidFill>
+                <a:latin typeface="Segoe Print" panose="02000600000000000000" pitchFamily="2" charset="0"/>
+              </a:rPr>
+              <a:t>Розмір</a:t>
+            </a:r>
+          </a:p>
+          <a:p>
+            <a:pPr marL="571500" indent="-571500">
+              <a:buFont typeface="Arial" panose="020B0604020202020204" pitchFamily="34" charset="0"/>
+              <a:buChar char="•"/>
+            </a:pPr>
+            <a:r>
+              <a:rPr lang="uk-UA" sz="3600" dirty="0" smtClean="0">
+                <a:solidFill>
+                  <a:schemeClr val="tx1">
+                    <a:lumMod val="85000"/>
+                    <a:lumOff val="15000"/>
+                  </a:schemeClr>
+                </a:solidFill>
+                <a:latin typeface="Segoe Print" panose="02000600000000000000" pitchFamily="2" charset="0"/>
+              </a:rPr>
+              <a:t>Колір</a:t>
+            </a:r>
+          </a:p>
+          <a:p>
+            <a:pPr marL="571500" indent="-571500">
+              <a:buFont typeface="Arial" panose="020B0604020202020204" pitchFamily="34" charset="0"/>
+              <a:buChar char="•"/>
+            </a:pPr>
+            <a:r>
+              <a:rPr lang="uk-UA" sz="3600" dirty="0" smtClean="0">
+                <a:solidFill>
+                  <a:schemeClr val="tx1">
+                    <a:lumMod val="85000"/>
+                    <a:lumOff val="15000"/>
+                  </a:schemeClr>
+                </a:solidFill>
+                <a:latin typeface="Segoe Print" panose="02000600000000000000" pitchFamily="2" charset="0"/>
+              </a:rPr>
+              <a:t>Наявність </a:t>
+            </a:r>
+            <a:r>
+              <a:rPr lang="uk-UA" sz="3600" dirty="0" err="1" smtClean="0">
+                <a:solidFill>
+                  <a:schemeClr val="tx1">
+                    <a:lumMod val="85000"/>
+                    <a:lumOff val="15000"/>
+                  </a:schemeClr>
+                </a:solidFill>
+                <a:latin typeface="Segoe Print" panose="02000600000000000000" pitchFamily="2" charset="0"/>
+              </a:rPr>
+              <a:t>підсвітки</a:t>
+            </a:r>
+            <a:endParaRPr lang="uk-UA" sz="3600" dirty="0" smtClean="0">
+              <a:solidFill>
+                <a:schemeClr val="tx1">
+                  <a:lumMod val="85000"/>
+                  <a:lumOff val="15000"/>
+                </a:schemeClr>
+              </a:solidFill>
+              <a:latin typeface="Segoe Print" panose="02000600000000000000" pitchFamily="2" charset="0"/>
+            </a:endParaRPr>
+          </a:p>
+          <a:p>
+            <a:pPr marL="571500" indent="-571500">
+              <a:buFont typeface="Arial" panose="020B0604020202020204" pitchFamily="34" charset="0"/>
+              <a:buChar char="•"/>
+            </a:pPr>
+            <a:r>
+              <a:rPr lang="uk-UA" sz="3600" dirty="0" smtClean="0">
+                <a:solidFill>
+                  <a:schemeClr val="tx1">
+                    <a:lumMod val="85000"/>
+                    <a:lumOff val="15000"/>
+                  </a:schemeClr>
+                </a:solidFill>
+                <a:latin typeface="Segoe Print" panose="02000600000000000000" pitchFamily="2" charset="0"/>
+              </a:rPr>
+              <a:t>Спосіб підключення</a:t>
+            </a:r>
+          </a:p>
+          <a:p>
+            <a:pPr marL="571500" indent="-571500">
+              <a:buFont typeface="Arial" panose="020B0604020202020204" pitchFamily="34" charset="0"/>
+              <a:buChar char="•"/>
+            </a:pPr>
+            <a:r>
+              <a:rPr lang="uk-UA" sz="3600" dirty="0" smtClean="0">
+                <a:solidFill>
+                  <a:schemeClr val="tx1">
+                    <a:lumMod val="85000"/>
+                    <a:lumOff val="15000"/>
+                  </a:schemeClr>
+                </a:solidFill>
+                <a:latin typeface="Segoe Print" panose="02000600000000000000" pitchFamily="2" charset="0"/>
+              </a:rPr>
+              <a:t>Кількість натисків</a:t>
+            </a:r>
+          </a:p>
+          <a:p>
+            <a:pPr marL="571500" indent="-571500">
+              <a:buFont typeface="Arial" panose="020B0604020202020204" pitchFamily="34" charset="0"/>
+              <a:buChar char="•"/>
+            </a:pPr>
+            <a:r>
+              <a:rPr lang="uk-UA" sz="3600" dirty="0" smtClean="0">
+                <a:solidFill>
+                  <a:schemeClr val="tx1">
+                    <a:lumMod val="85000"/>
+                    <a:lumOff val="15000"/>
+                  </a:schemeClr>
+                </a:solidFill>
+                <a:latin typeface="Segoe Print" panose="02000600000000000000" pitchFamily="2" charset="0"/>
+              </a:rPr>
+              <a:t>Наявність </a:t>
+            </a:r>
+            <a:r>
+              <a:rPr lang="uk-UA" sz="3600" dirty="0" err="1" smtClean="0">
+                <a:solidFill>
+                  <a:schemeClr val="tx1">
+                    <a:lumMod val="85000"/>
+                    <a:lumOff val="15000"/>
+                  </a:schemeClr>
+                </a:solidFill>
+                <a:latin typeface="Segoe Print" panose="02000600000000000000" pitchFamily="2" charset="0"/>
+              </a:rPr>
+              <a:t>доп</a:t>
+            </a:r>
+            <a:r>
+              <a:rPr lang="uk-UA" sz="3600" dirty="0" smtClean="0">
+                <a:solidFill>
+                  <a:schemeClr val="tx1">
+                    <a:lumMod val="85000"/>
+                    <a:lumOff val="15000"/>
+                  </a:schemeClr>
+                </a:solidFill>
+                <a:latin typeface="Segoe Print" panose="02000600000000000000" pitchFamily="2" charset="0"/>
+              </a:rPr>
+              <a:t>. клавіш</a:t>
+            </a:r>
+            <a:endParaRPr lang="uk-UA" sz="3600" dirty="0">
+              <a:solidFill>
+                <a:schemeClr val="tx1">
+                  <a:lumMod val="85000"/>
+                  <a:lumOff val="15000"/>
+                </a:schemeClr>
+              </a:solidFill>
+              <a:latin typeface="Segoe Print" panose="02000600000000000000" pitchFamily="2" charset="0"/>
+            </a:endParaRPr>
+          </a:p>
+        </p:txBody>
+      </p:sp>
+      <p:pic>
+        <p:nvPicPr>
+          <p:cNvPr id="6" name="Рисунок 5"/>
+          <p:cNvPicPr>
+            <a:picLocks noChangeAspect="1"/>
+          </p:cNvPicPr>
+          <p:nvPr/>
+        </p:nvPicPr>
+        <p:blipFill>
+          <a:blip r:embed="rId2"/>
+          <a:stretch>
+            <a:fillRect/>
+          </a:stretch>
+        </p:blipFill>
+        <p:spPr>
+          <a:xfrm>
+            <a:off x="534186" y="5033703"/>
+            <a:ext cx="5081068" cy="1562100"/>
+          </a:xfrm>
+          <a:prstGeom prst="rect">
+            <a:avLst/>
+          </a:prstGeom>
+        </p:spPr>
+      </p:pic>
+      <p:pic>
+        <p:nvPicPr>
+          <p:cNvPr id="7" name="Рисунок 6"/>
+          <p:cNvPicPr>
+            <a:picLocks noChangeAspect="1"/>
+          </p:cNvPicPr>
+          <p:nvPr/>
+        </p:nvPicPr>
+        <p:blipFill>
+          <a:blip r:embed="rId3"/>
+          <a:stretch>
+            <a:fillRect/>
+          </a:stretch>
+        </p:blipFill>
+        <p:spPr>
+          <a:xfrm>
+            <a:off x="4262704" y="6043353"/>
+            <a:ext cx="1352550" cy="552450"/>
+          </a:xfrm>
+          <a:prstGeom prst="rect">
+            <a:avLst/>
+          </a:prstGeom>
+        </p:spPr>
+      </p:pic>
+      <p:pic>
+        <p:nvPicPr>
+          <p:cNvPr id="5122" name="Picture 2" descr="Комп'ютерна універсальна мишка для ігор з підсвічуванням X1 / Дротова  комп'ютерна миша / Оптична мишка для ПК (ID#1813632407), ціна: 285 ₴,  купити на Prom.ua"/>
+          <p:cNvPicPr>
+            <a:picLocks noChangeAspect="1" noChangeArrowheads="1"/>
+          </p:cNvPicPr>
+          <p:nvPr/>
+        </p:nvPicPr>
+        <p:blipFill>
+          <a:blip r:embed="rId4">
+            <a:extLst>
+              <a:ext uri="{28A0092B-C50C-407E-A947-70E740481C1C}">
+                <a14:useLocalDpi xmlns:a14="http://schemas.microsoft.com/office/drawing/2010/main" val="0"/>
+              </a:ext>
+            </a:extLst>
+          </a:blip>
+          <a:srcRect/>
+          <a:stretch>
+            <a:fillRect/>
+          </a:stretch>
+        </p:blipFill>
+        <p:spPr bwMode="auto">
+          <a:xfrm>
+            <a:off x="6149440" y="932858"/>
+            <a:ext cx="5662945" cy="5662945"/>
+          </a:xfrm>
+          <a:prstGeom prst="rect">
+            <a:avLst/>
+          </a:prstGeom>
+          <a:noFill/>
+          <a:extLst>
+            <a:ext uri="{909E8E84-426E-40DD-AFC4-6F175D3DCCD1}">
+              <a14:hiddenFill xmlns:a14="http://schemas.microsoft.com/office/drawing/2010/main">
+                <a:solidFill>
+                  <a:srgbClr val="FFFFFF"/>
+                </a:solidFill>
+              </a14:hiddenFill>
+            </a:ext>
+          </a:extLst>
+        </p:spPr>
+      </p:pic>
+      <p:pic>
+        <p:nvPicPr>
+          <p:cNvPr id="8" name="Рисунок 7"/>
+          <p:cNvPicPr>
+            <a:picLocks noChangeAspect="1"/>
+          </p:cNvPicPr>
+          <p:nvPr/>
+        </p:nvPicPr>
+        <p:blipFill>
+          <a:blip r:embed="rId5"/>
+          <a:stretch>
+            <a:fillRect/>
+          </a:stretch>
+        </p:blipFill>
+        <p:spPr>
+          <a:xfrm>
+            <a:off x="6956859" y="987724"/>
+            <a:ext cx="4048105" cy="1497781"/>
+          </a:xfrm>
+          <a:prstGeom prst="rect">
+            <a:avLst/>
+          </a:prstGeom>
+        </p:spPr>
+      </p:pic>
+    </p:spTree>
+    <p:extLst>
+      <p:ext uri="{BB962C8B-B14F-4D97-AF65-F5344CB8AC3E}">
+        <p14:creationId xmlns:p14="http://schemas.microsoft.com/office/powerpoint/2010/main" val="4105951509"/>
+      </p:ext>
+    </p:extLst>
+  </p:cSld>
+  <p:clrMapOvr>
+    <a:masterClrMapping/>
+  </p:clrMapOvr>
+  <p:timing>
+    <p:tnLst>
+      <p:par>
+        <p:cTn id="1" dur="indefinite" restart="never" nodeType="tmRoot"/>
+      </p:par>
+    </p:tnLst>
+  </p:timing>
+</p:sld>
+</file>
+
+<file path=ppt/slides/slide6.xml><?xml version="1.0" encoding="utf-8"?>
+<p:sld xmlns:a="http://schemas.openxmlformats.org/drawingml/2006/main" xmlns:r="http://schemas.openxmlformats.org/officeDocument/2006/relationships" xmlns:p="http://schemas.openxmlformats.org/presentationml/2006/main">
+  <p:cSld>
+    <p:spTree>
+      <p:nvGrpSpPr>
+        <p:cNvPr id="1" name=""/>
+        <p:cNvGrpSpPr/>
+        <p:nvPr/>
+      </p:nvGrpSpPr>
+      <p:grpSpPr>
+        <a:xfrm>
+          <a:off x="0" y="0"/>
+          <a:ext cx="0" cy="0"/>
+          <a:chOff x="0" y="0"/>
+          <a:chExt cx="0" cy="0"/>
+        </a:xfrm>
+      </p:grpSpPr>
+      <p:sp>
+        <p:nvSpPr>
+          <p:cNvPr id="4" name="TextBox 3"/>
+          <p:cNvSpPr txBox="1"/>
+          <p:nvPr/>
+        </p:nvSpPr>
+        <p:spPr>
+          <a:xfrm>
+            <a:off x="66863" y="157174"/>
+            <a:ext cx="11918647" cy="707886"/>
+          </a:xfrm>
+          <a:prstGeom prst="rect">
+            <a:avLst/>
+          </a:prstGeom>
+          <a:noFill/>
+        </p:spPr>
+        <p:txBody>
+          <a:bodyPr wrap="none" rtlCol="0">
+            <a:spAutoFit/>
+          </a:bodyPr>
+          <a:lstStyle/>
+          <a:p>
+            <a:pPr algn="ctr"/>
+            <a:r>
+              <a:rPr lang="uk-UA" sz="4000" dirty="0" smtClean="0">
+                <a:solidFill>
+                  <a:schemeClr val="tx1">
+                    <a:lumMod val="85000"/>
+                    <a:lumOff val="15000"/>
+                  </a:schemeClr>
+                </a:solidFill>
+                <a:latin typeface="Segoe Print" panose="02000600000000000000" pitchFamily="2" charset="0"/>
+              </a:rPr>
+              <a:t>Основні характеристики граф. планшета:</a:t>
+            </a:r>
+            <a:endParaRPr lang="uk-UA" sz="4000" dirty="0">
+              <a:solidFill>
+                <a:schemeClr val="tx1">
+                  <a:lumMod val="85000"/>
+                  <a:lumOff val="15000"/>
+                </a:schemeClr>
+              </a:solidFill>
+              <a:latin typeface="Segoe Print" panose="02000600000000000000" pitchFamily="2" charset="0"/>
+            </a:endParaRPr>
+          </a:p>
+        </p:txBody>
+      </p:sp>
+      <p:sp>
+        <p:nvSpPr>
+          <p:cNvPr id="6" name="TextBox 5"/>
+          <p:cNvSpPr txBox="1"/>
+          <p:nvPr/>
+        </p:nvSpPr>
+        <p:spPr>
+          <a:xfrm>
+            <a:off x="0" y="926615"/>
+            <a:ext cx="6856364" cy="3970318"/>
+          </a:xfrm>
+          <a:prstGeom prst="rect">
+            <a:avLst/>
+          </a:prstGeom>
+          <a:noFill/>
+        </p:spPr>
+        <p:txBody>
+          <a:bodyPr wrap="none" rtlCol="0">
+            <a:spAutoFit/>
+          </a:bodyPr>
+          <a:lstStyle/>
+          <a:p>
+            <a:pPr marL="571500" indent="-571500">
+              <a:buFont typeface="Arial" panose="020B0604020202020204" pitchFamily="34" charset="0"/>
+              <a:buChar char="•"/>
+            </a:pPr>
+            <a:r>
+              <a:rPr lang="uk-UA" sz="3600" dirty="0" smtClean="0">
+                <a:solidFill>
+                  <a:schemeClr val="tx1">
+                    <a:lumMod val="85000"/>
+                    <a:lumOff val="15000"/>
+                  </a:schemeClr>
+                </a:solidFill>
+                <a:latin typeface="Segoe Print" panose="02000600000000000000" pitchFamily="2" charset="0"/>
+              </a:rPr>
+              <a:t>Розширення</a:t>
+            </a:r>
+          </a:p>
+          <a:p>
+            <a:pPr marL="571500" indent="-571500">
+              <a:buFont typeface="Arial" panose="020B0604020202020204" pitchFamily="34" charset="0"/>
+              <a:buChar char="•"/>
+            </a:pPr>
+            <a:r>
+              <a:rPr lang="uk-UA" sz="3600" dirty="0" smtClean="0">
+                <a:solidFill>
+                  <a:schemeClr val="tx1">
+                    <a:lumMod val="85000"/>
+                    <a:lumOff val="15000"/>
+                  </a:schemeClr>
+                </a:solidFill>
+                <a:latin typeface="Segoe Print" panose="02000600000000000000" pitchFamily="2" charset="0"/>
+              </a:rPr>
+              <a:t>Час відклику</a:t>
+            </a:r>
+          </a:p>
+          <a:p>
+            <a:pPr marL="571500" indent="-571500">
+              <a:buFont typeface="Arial" panose="020B0604020202020204" pitchFamily="34" charset="0"/>
+              <a:buChar char="•"/>
+            </a:pPr>
+            <a:r>
+              <a:rPr lang="uk-UA" sz="3600" dirty="0" smtClean="0">
+                <a:solidFill>
+                  <a:schemeClr val="tx1">
+                    <a:lumMod val="85000"/>
+                    <a:lumOff val="15000"/>
+                  </a:schemeClr>
+                </a:solidFill>
+                <a:latin typeface="Segoe Print" panose="02000600000000000000" pitchFamily="2" charset="0"/>
+              </a:rPr>
+              <a:t>Чутливість пера</a:t>
+            </a:r>
+          </a:p>
+          <a:p>
+            <a:pPr marL="571500" indent="-571500">
+              <a:buFont typeface="Arial" panose="020B0604020202020204" pitchFamily="34" charset="0"/>
+              <a:buChar char="•"/>
+            </a:pPr>
+            <a:r>
+              <a:rPr lang="uk-UA" sz="3600" dirty="0" smtClean="0">
+                <a:solidFill>
+                  <a:schemeClr val="tx1">
+                    <a:lumMod val="85000"/>
+                    <a:lumOff val="15000"/>
+                  </a:schemeClr>
+                </a:solidFill>
+                <a:latin typeface="Segoe Print" panose="02000600000000000000" pitchFamily="2" charset="0"/>
+              </a:rPr>
+              <a:t>Розмір активної області</a:t>
+            </a:r>
+          </a:p>
+          <a:p>
+            <a:pPr marL="571500" indent="-571500">
+              <a:buFont typeface="Arial" panose="020B0604020202020204" pitchFamily="34" charset="0"/>
+              <a:buChar char="•"/>
+            </a:pPr>
+            <a:r>
+              <a:rPr lang="uk-UA" sz="3600" dirty="0" smtClean="0">
+                <a:solidFill>
+                  <a:schemeClr val="tx1">
+                    <a:lumMod val="85000"/>
+                    <a:lumOff val="15000"/>
+                  </a:schemeClr>
+                </a:solidFill>
+                <a:latin typeface="Segoe Print" panose="02000600000000000000" pitchFamily="2" charset="0"/>
+              </a:rPr>
+              <a:t>Нахил пера</a:t>
+            </a:r>
+          </a:p>
+          <a:p>
+            <a:pPr marL="571500" indent="-571500">
+              <a:buFont typeface="Arial" panose="020B0604020202020204" pitchFamily="34" charset="0"/>
+              <a:buChar char="•"/>
+            </a:pPr>
+            <a:r>
+              <a:rPr lang="uk-UA" sz="3600" dirty="0" smtClean="0">
+                <a:solidFill>
+                  <a:schemeClr val="tx1">
+                    <a:lumMod val="85000"/>
+                    <a:lumOff val="15000"/>
+                  </a:schemeClr>
+                </a:solidFill>
+                <a:latin typeface="Segoe Print" panose="02000600000000000000" pitchFamily="2" charset="0"/>
+              </a:rPr>
+              <a:t>Підключення</a:t>
+            </a:r>
+            <a:endParaRPr lang="uk-UA" sz="3600" dirty="0">
+              <a:solidFill>
+                <a:schemeClr val="tx1">
+                  <a:lumMod val="85000"/>
+                  <a:lumOff val="15000"/>
+                </a:schemeClr>
+              </a:solidFill>
+              <a:latin typeface="Segoe Print" panose="02000600000000000000" pitchFamily="2" charset="0"/>
+            </a:endParaRPr>
+          </a:p>
+          <a:p>
+            <a:pPr marL="571500" indent="-571500">
+              <a:buFont typeface="Arial" panose="020B0604020202020204" pitchFamily="34" charset="0"/>
+              <a:buChar char="•"/>
+            </a:pPr>
+            <a:r>
+              <a:rPr lang="uk-UA" sz="3600" dirty="0" smtClean="0">
+                <a:solidFill>
+                  <a:schemeClr val="tx1">
+                    <a:lumMod val="85000"/>
+                    <a:lumOff val="15000"/>
+                  </a:schemeClr>
+                </a:solidFill>
+                <a:latin typeface="Segoe Print" panose="02000600000000000000" pitchFamily="2" charset="0"/>
+              </a:rPr>
+              <a:t>Наявність </a:t>
+            </a:r>
+            <a:r>
+              <a:rPr lang="uk-UA" sz="3600" dirty="0" err="1" smtClean="0">
+                <a:solidFill>
+                  <a:schemeClr val="tx1">
+                    <a:lumMod val="85000"/>
+                    <a:lumOff val="15000"/>
+                  </a:schemeClr>
+                </a:solidFill>
+                <a:latin typeface="Segoe Print" panose="02000600000000000000" pitchFamily="2" charset="0"/>
+              </a:rPr>
+              <a:t>доп</a:t>
+            </a:r>
+            <a:r>
+              <a:rPr lang="uk-UA" sz="3600" dirty="0" smtClean="0">
+                <a:solidFill>
+                  <a:schemeClr val="tx1">
+                    <a:lumMod val="85000"/>
+                    <a:lumOff val="15000"/>
+                  </a:schemeClr>
+                </a:solidFill>
+                <a:latin typeface="Segoe Print" panose="02000600000000000000" pitchFamily="2" charset="0"/>
+              </a:rPr>
+              <a:t> клавіш</a:t>
+            </a:r>
+          </a:p>
+        </p:txBody>
+      </p:sp>
+      <p:sp>
+        <p:nvSpPr>
+          <p:cNvPr id="8" name="TextBox 7"/>
+          <p:cNvSpPr txBox="1"/>
+          <p:nvPr/>
+        </p:nvSpPr>
+        <p:spPr>
+          <a:xfrm>
+            <a:off x="7296668" y="844295"/>
+            <a:ext cx="4688842" cy="1323439"/>
+          </a:xfrm>
+          <a:prstGeom prst="rect">
+            <a:avLst/>
+          </a:prstGeom>
+          <a:noFill/>
+        </p:spPr>
+        <p:txBody>
+          <a:bodyPr wrap="square" rtlCol="0">
+            <a:spAutoFit/>
+          </a:bodyPr>
+          <a:lstStyle/>
+          <a:p>
+            <a:pPr algn="r"/>
+            <a:r>
+              <a:rPr lang="uk-UA" sz="4000" dirty="0" smtClean="0">
+                <a:solidFill>
+                  <a:schemeClr val="tx1">
+                    <a:lumMod val="85000"/>
+                    <a:lumOff val="15000"/>
+                  </a:schemeClr>
+                </a:solidFill>
+                <a:latin typeface="Segoe Print" panose="02000600000000000000" pitchFamily="2" charset="0"/>
+              </a:rPr>
+              <a:t>Малювати та грати в </a:t>
+            </a:r>
+            <a:r>
+              <a:rPr lang="en-US" sz="4000" dirty="0" smtClean="0">
+                <a:solidFill>
+                  <a:schemeClr val="tx1">
+                    <a:lumMod val="85000"/>
+                    <a:lumOff val="15000"/>
+                  </a:schemeClr>
+                </a:solidFill>
+                <a:latin typeface="Segoe Print" panose="02000600000000000000" pitchFamily="2" charset="0"/>
+              </a:rPr>
+              <a:t>“</a:t>
+            </a:r>
+            <a:r>
+              <a:rPr lang="en-US" sz="4000" dirty="0" err="1" smtClean="0">
+                <a:solidFill>
+                  <a:schemeClr val="tx1">
+                    <a:lumMod val="85000"/>
+                    <a:lumOff val="15000"/>
+                  </a:schemeClr>
+                </a:solidFill>
+                <a:latin typeface="Segoe Print" panose="02000600000000000000" pitchFamily="2" charset="0"/>
+              </a:rPr>
+              <a:t>osu</a:t>
+            </a:r>
+            <a:r>
+              <a:rPr lang="en-US" sz="4000" dirty="0" smtClean="0">
+                <a:solidFill>
+                  <a:schemeClr val="tx1">
+                    <a:lumMod val="85000"/>
+                    <a:lumOff val="15000"/>
+                  </a:schemeClr>
+                </a:solidFill>
+                <a:latin typeface="Segoe Print" panose="02000600000000000000" pitchFamily="2" charset="0"/>
+              </a:rPr>
+              <a:t>!”</a:t>
+            </a:r>
+            <a:endParaRPr lang="uk-UA" sz="4000" dirty="0">
+              <a:solidFill>
+                <a:schemeClr val="tx1">
+                  <a:lumMod val="85000"/>
+                  <a:lumOff val="15000"/>
+                </a:schemeClr>
+              </a:solidFill>
+              <a:latin typeface="Segoe Print" panose="02000600000000000000" pitchFamily="2" charset="0"/>
+            </a:endParaRPr>
+          </a:p>
+        </p:txBody>
+      </p:sp>
+      <p:pic>
+        <p:nvPicPr>
+          <p:cNvPr id="6148" name="Picture 4" descr="OSU Rhythm Games Club stays on beat without in-person meetings"/>
+          <p:cNvPicPr>
+            <a:picLocks noChangeAspect="1" noChangeArrowheads="1"/>
+          </p:cNvPicPr>
+          <p:nvPr/>
+        </p:nvPicPr>
+        <p:blipFill>
+          <a:blip r:embed="rId2" cstate="print">
+            <a:extLst>
+              <a:ext uri="{28A0092B-C50C-407E-A947-70E740481C1C}">
+                <a14:useLocalDpi xmlns:a14="http://schemas.microsoft.com/office/drawing/2010/main" val="0"/>
+              </a:ext>
+            </a:extLst>
+          </a:blip>
+          <a:srcRect/>
+          <a:stretch>
+            <a:fillRect/>
+          </a:stretch>
+        </p:blipFill>
+        <p:spPr bwMode="auto">
+          <a:xfrm>
+            <a:off x="6315075" y="3257550"/>
+            <a:ext cx="5670435" cy="3371663"/>
+          </a:xfrm>
+          <a:prstGeom prst="rect">
+            <a:avLst/>
+          </a:prstGeom>
+          <a:noFill/>
+          <a:extLst>
+            <a:ext uri="{909E8E84-426E-40DD-AFC4-6F175D3DCCD1}">
+              <a14:hiddenFill xmlns:a14="http://schemas.microsoft.com/office/drawing/2010/main">
+                <a:solidFill>
+                  <a:srgbClr val="FFFFFF"/>
+                </a:solidFill>
+              </a14:hiddenFill>
+            </a:ext>
+          </a:extLst>
+        </p:spPr>
+      </p:pic>
+      <p:pic>
+        <p:nvPicPr>
+          <p:cNvPr id="6150" name="Picture 6" descr="Osu! A Gem in a Dying Genre – The Sage"/>
+          <p:cNvPicPr>
+            <a:picLocks noChangeAspect="1" noChangeArrowheads="1"/>
+          </p:cNvPicPr>
+          <p:nvPr/>
+        </p:nvPicPr>
+        <p:blipFill>
+          <a:blip r:embed="rId3" cstate="print">
+            <a:extLst>
+              <a:ext uri="{28A0092B-C50C-407E-A947-70E740481C1C}">
+                <a14:useLocalDpi xmlns:a14="http://schemas.microsoft.com/office/drawing/2010/main" val="0"/>
+              </a:ext>
+            </a:extLst>
+          </a:blip>
+          <a:srcRect/>
+          <a:stretch>
+            <a:fillRect/>
+          </a:stretch>
+        </p:blipFill>
+        <p:spPr bwMode="auto">
+          <a:xfrm>
+            <a:off x="7296668" y="2165510"/>
+            <a:ext cx="4552432" cy="1030485"/>
+          </a:xfrm>
+          <a:prstGeom prst="rect">
+            <a:avLst/>
+          </a:prstGeom>
+          <a:noFill/>
+          <a:extLst>
+            <a:ext uri="{909E8E84-426E-40DD-AFC4-6F175D3DCCD1}">
+              <a14:hiddenFill xmlns:a14="http://schemas.microsoft.com/office/drawing/2010/main">
+                <a:solidFill>
+                  <a:srgbClr val="FFFFFF"/>
+                </a:solidFill>
+              </a14:hiddenFill>
+            </a:ext>
+          </a:extLst>
+        </p:spPr>
+      </p:pic>
+      <p:pic>
+        <p:nvPicPr>
+          <p:cNvPr id="6152" name="Picture 8" descr="как нарисовать смайлик с помощью карандаша и ластика, счастливая картина  для рисования, Рисование, картина фон картинки и Фото для бесплатной  загрузки"/>
+          <p:cNvPicPr>
+            <a:picLocks noChangeAspect="1" noChangeArrowheads="1"/>
+          </p:cNvPicPr>
+          <p:nvPr/>
+        </p:nvPicPr>
+        <p:blipFill>
+          <a:blip r:embed="rId4" cstate="print">
+            <a:extLst>
+              <a:ext uri="{28A0092B-C50C-407E-A947-70E740481C1C}">
+                <a14:useLocalDpi xmlns:a14="http://schemas.microsoft.com/office/drawing/2010/main" val="0"/>
+              </a:ext>
+            </a:extLst>
+          </a:blip>
+          <a:srcRect/>
+          <a:stretch>
+            <a:fillRect/>
+          </a:stretch>
+        </p:blipFill>
+        <p:spPr bwMode="auto">
+          <a:xfrm>
+            <a:off x="3877619" y="923067"/>
+            <a:ext cx="3923356" cy="1138238"/>
+          </a:xfrm>
+          <a:prstGeom prst="rect">
+            <a:avLst/>
+          </a:prstGeom>
+          <a:noFill/>
+          <a:extLst>
+            <a:ext uri="{909E8E84-426E-40DD-AFC4-6F175D3DCCD1}">
+              <a14:hiddenFill xmlns:a14="http://schemas.microsoft.com/office/drawing/2010/main">
+                <a:solidFill>
+                  <a:srgbClr val="FFFFFF"/>
+                </a:solidFill>
+              </a14:hiddenFill>
+            </a:ext>
+          </a:extLst>
+        </p:spPr>
+      </p:pic>
+    </p:spTree>
+    <p:extLst>
+      <p:ext uri="{BB962C8B-B14F-4D97-AF65-F5344CB8AC3E}">
+        <p14:creationId xmlns:p14="http://schemas.microsoft.com/office/powerpoint/2010/main" val="2317073099"/>
+      </p:ext>
+    </p:extLst>
+  </p:cSld>
+  <p:clrMapOvr>
+    <a:masterClrMapping/>
+  </p:clrMapOvr>
+  <p:timing>
+    <p:tnLst>
+      <p:par>
+        <p:cTn id="1" dur="indefinite" restart="never" nodeType="tmRoot"/>
+      </p:par>
+    </p:tnLst>
+  </p:timing>
 </p:sld>
 </file>
 
